--- a/diagrammeClasse.pptx
+++ b/diagrammeClasse.pptx
@@ -104,6 +104,11 @@
       </a:defRPr>
     </a:lvl9pPr>
   </p:defaultTextStyle>
+  <p:extLst>
+    <p:ext uri="{EFAFB233-063F-42B5-8137-9DF3F51BA10A}">
+      <p15:sldGuideLst xmlns:p15="http://schemas.microsoft.com/office/powerpoint/2012/main"/>
+    </p:ext>
+  </p:extLst>
 </p:presentation>
 </file>
 
@@ -254,7 +259,7 @@
           <a:p>
             <a:fld id="{DEDDA8D8-92FE-5D41-BB40-D2E1D50ED13E}" type="datetimeFigureOut">
               <a:rPr lang="fr-FR" smtClean="0"/>
-              <a:t>19/11/2021</a:t>
+              <a:t>22/11/2021</a:t>
             </a:fld>
             <a:endParaRPr lang="fr-FR"/>
           </a:p>
@@ -452,7 +457,7 @@
           <a:p>
             <a:fld id="{DEDDA8D8-92FE-5D41-BB40-D2E1D50ED13E}" type="datetimeFigureOut">
               <a:rPr lang="fr-FR" smtClean="0"/>
-              <a:t>19/11/2021</a:t>
+              <a:t>22/11/2021</a:t>
             </a:fld>
             <a:endParaRPr lang="fr-FR"/>
           </a:p>
@@ -660,7 +665,7 @@
           <a:p>
             <a:fld id="{DEDDA8D8-92FE-5D41-BB40-D2E1D50ED13E}" type="datetimeFigureOut">
               <a:rPr lang="fr-FR" smtClean="0"/>
-              <a:t>19/11/2021</a:t>
+              <a:t>22/11/2021</a:t>
             </a:fld>
             <a:endParaRPr lang="fr-FR"/>
           </a:p>
@@ -858,7 +863,7 @@
           <a:p>
             <a:fld id="{DEDDA8D8-92FE-5D41-BB40-D2E1D50ED13E}" type="datetimeFigureOut">
               <a:rPr lang="fr-FR" smtClean="0"/>
-              <a:t>19/11/2021</a:t>
+              <a:t>22/11/2021</a:t>
             </a:fld>
             <a:endParaRPr lang="fr-FR"/>
           </a:p>
@@ -1133,7 +1138,7 @@
           <a:p>
             <a:fld id="{DEDDA8D8-92FE-5D41-BB40-D2E1D50ED13E}" type="datetimeFigureOut">
               <a:rPr lang="fr-FR" smtClean="0"/>
-              <a:t>19/11/2021</a:t>
+              <a:t>22/11/2021</a:t>
             </a:fld>
             <a:endParaRPr lang="fr-FR"/>
           </a:p>
@@ -1398,7 +1403,7 @@
           <a:p>
             <a:fld id="{DEDDA8D8-92FE-5D41-BB40-D2E1D50ED13E}" type="datetimeFigureOut">
               <a:rPr lang="fr-FR" smtClean="0"/>
-              <a:t>19/11/2021</a:t>
+              <a:t>22/11/2021</a:t>
             </a:fld>
             <a:endParaRPr lang="fr-FR"/>
           </a:p>
@@ -1810,7 +1815,7 @@
           <a:p>
             <a:fld id="{DEDDA8D8-92FE-5D41-BB40-D2E1D50ED13E}" type="datetimeFigureOut">
               <a:rPr lang="fr-FR" smtClean="0"/>
-              <a:t>19/11/2021</a:t>
+              <a:t>22/11/2021</a:t>
             </a:fld>
             <a:endParaRPr lang="fr-FR"/>
           </a:p>
@@ -1951,7 +1956,7 @@
           <a:p>
             <a:fld id="{DEDDA8D8-92FE-5D41-BB40-D2E1D50ED13E}" type="datetimeFigureOut">
               <a:rPr lang="fr-FR" smtClean="0"/>
-              <a:t>19/11/2021</a:t>
+              <a:t>22/11/2021</a:t>
             </a:fld>
             <a:endParaRPr lang="fr-FR"/>
           </a:p>
@@ -2064,7 +2069,7 @@
           <a:p>
             <a:fld id="{DEDDA8D8-92FE-5D41-BB40-D2E1D50ED13E}" type="datetimeFigureOut">
               <a:rPr lang="fr-FR" smtClean="0"/>
-              <a:t>19/11/2021</a:t>
+              <a:t>22/11/2021</a:t>
             </a:fld>
             <a:endParaRPr lang="fr-FR"/>
           </a:p>
@@ -2375,7 +2380,7 @@
           <a:p>
             <a:fld id="{DEDDA8D8-92FE-5D41-BB40-D2E1D50ED13E}" type="datetimeFigureOut">
               <a:rPr lang="fr-FR" smtClean="0"/>
-              <a:t>19/11/2021</a:t>
+              <a:t>22/11/2021</a:t>
             </a:fld>
             <a:endParaRPr lang="fr-FR"/>
           </a:p>
@@ -2663,7 +2668,7 @@
           <a:p>
             <a:fld id="{DEDDA8D8-92FE-5D41-BB40-D2E1D50ED13E}" type="datetimeFigureOut">
               <a:rPr lang="fr-FR" smtClean="0"/>
-              <a:t>19/11/2021</a:t>
+              <a:t>22/11/2021</a:t>
             </a:fld>
             <a:endParaRPr lang="fr-FR"/>
           </a:p>
@@ -2904,7 +2909,7 @@
           <a:p>
             <a:fld id="{DEDDA8D8-92FE-5D41-BB40-D2E1D50ED13E}" type="datetimeFigureOut">
               <a:rPr lang="fr-FR" smtClean="0"/>
-              <a:t>19/11/2021</a:t>
+              <a:t>22/11/2021</a:t>
             </a:fld>
             <a:endParaRPr lang="fr-FR"/>
           </a:p>
@@ -3323,10 +3328,10 @@
       </p:grpSpPr>
       <p:pic>
         <p:nvPicPr>
-          <p:cNvPr id="5" name="Image 4">
-            <a:extLst>
-              <a:ext uri="{FF2B5EF4-FFF2-40B4-BE49-F238E27FC236}">
-                <a16:creationId xmlns:a16="http://schemas.microsoft.com/office/drawing/2014/main" id="{9ACAC589-E022-A44A-A64F-D83921840CD2}"/>
+          <p:cNvPr id="11" name="Image 10" descr="Une image contenant table&#10;&#10;Description générée automatiquement">
+            <a:extLst>
+              <a:ext uri="{FF2B5EF4-FFF2-40B4-BE49-F238E27FC236}">
+                <a16:creationId xmlns:a16="http://schemas.microsoft.com/office/drawing/2014/main" id="{915C9C27-AB81-8642-9D3B-A77A07CEB7D9}"/>
               </a:ext>
             </a:extLst>
           </p:cNvPr>
@@ -3343,8 +3348,8 @@
         </p:blipFill>
         <p:spPr>
           <a:xfrm>
-            <a:off x="45720" y="4100513"/>
-            <a:ext cx="7083544" cy="2739562"/>
+            <a:off x="45720" y="42290"/>
+            <a:ext cx="3708400" cy="1574800"/>
           </a:xfrm>
           <a:prstGeom prst="rect">
             <a:avLst/>
@@ -3353,10 +3358,10 @@
       </p:pic>
       <p:pic>
         <p:nvPicPr>
-          <p:cNvPr id="7" name="Image 6" descr="Une image contenant texte&#10;&#10;Description générée automatiquement">
-            <a:extLst>
-              <a:ext uri="{FF2B5EF4-FFF2-40B4-BE49-F238E27FC236}">
-                <a16:creationId xmlns:a16="http://schemas.microsoft.com/office/drawing/2014/main" id="{63174940-8BE9-8342-A74C-7300FDEABD9B}"/>
+          <p:cNvPr id="10" name="Image 9" descr="Une image contenant table&#10;&#10;Description générée automatiquement">
+            <a:extLst>
+              <a:ext uri="{FF2B5EF4-FFF2-40B4-BE49-F238E27FC236}">
+                <a16:creationId xmlns:a16="http://schemas.microsoft.com/office/drawing/2014/main" id="{527F47E2-F6A4-074F-A49A-405A2012DF5B}"/>
               </a:ext>
             </a:extLst>
           </p:cNvPr>
@@ -3373,8 +3378,8 @@
         </p:blipFill>
         <p:spPr>
           <a:xfrm>
-            <a:off x="5291819" y="655835"/>
-            <a:ext cx="5853246" cy="3221391"/>
+            <a:off x="8239873" y="4102677"/>
+            <a:ext cx="1746143" cy="1232572"/>
           </a:xfrm>
           <a:prstGeom prst="rect">
             <a:avLst/>
@@ -3383,10 +3388,10 @@
       </p:pic>
       <p:pic>
         <p:nvPicPr>
-          <p:cNvPr id="9" name="Image 8">
-            <a:extLst>
-              <a:ext uri="{FF2B5EF4-FFF2-40B4-BE49-F238E27FC236}">
-                <a16:creationId xmlns:a16="http://schemas.microsoft.com/office/drawing/2014/main" id="{3CCAD98D-BD2A-484F-B395-FD5B35251564}"/>
+          <p:cNvPr id="13" name="Image 12" descr="Une image contenant table&#10;&#10;Description générée automatiquement">
+            <a:extLst>
+              <a:ext uri="{FF2B5EF4-FFF2-40B4-BE49-F238E27FC236}">
+                <a16:creationId xmlns:a16="http://schemas.microsoft.com/office/drawing/2014/main" id="{B64D260F-E24A-4F4A-8C51-B55A8AF9A657}"/>
               </a:ext>
             </a:extLst>
           </p:cNvPr>
@@ -3403,8 +3408,8 @@
         </p:blipFill>
         <p:spPr>
           <a:xfrm>
-            <a:off x="7530572" y="4898061"/>
-            <a:ext cx="4615708" cy="1989529"/>
+            <a:off x="985838" y="2937426"/>
+            <a:ext cx="1600200" cy="1879600"/>
           </a:xfrm>
           <a:prstGeom prst="rect">
             <a:avLst/>
@@ -3413,10 +3418,10 @@
       </p:pic>
       <p:pic>
         <p:nvPicPr>
-          <p:cNvPr id="11" name="Image 10" descr="Une image contenant table&#10;&#10;Description générée automatiquement">
-            <a:extLst>
-              <a:ext uri="{FF2B5EF4-FFF2-40B4-BE49-F238E27FC236}">
-                <a16:creationId xmlns:a16="http://schemas.microsoft.com/office/drawing/2014/main" id="{915C9C27-AB81-8642-9D3B-A77A07CEB7D9}"/>
+          <p:cNvPr id="15" name="Image 14">
+            <a:extLst>
+              <a:ext uri="{FF2B5EF4-FFF2-40B4-BE49-F238E27FC236}">
+                <a16:creationId xmlns:a16="http://schemas.microsoft.com/office/drawing/2014/main" id="{8B3EC4D3-7CB4-1F47-B2F6-837D9DC159DE}"/>
               </a:ext>
             </a:extLst>
           </p:cNvPr>
@@ -3433,8 +3438,8 @@
         </p:blipFill>
         <p:spPr>
           <a:xfrm>
-            <a:off x="45720" y="42290"/>
-            <a:ext cx="3708400" cy="1574800"/>
+            <a:off x="147320" y="6030715"/>
+            <a:ext cx="6502400" cy="342900"/>
           </a:xfrm>
           <a:prstGeom prst="rect">
             <a:avLst/>
@@ -3443,22 +3448,20 @@
       </p:pic>
       <p:cxnSp>
         <p:nvCxnSpPr>
-          <p:cNvPr id="18" name="Connecteur droit avec flèche 17">
-            <a:extLst>
-              <a:ext uri="{FF2B5EF4-FFF2-40B4-BE49-F238E27FC236}">
-                <a16:creationId xmlns:a16="http://schemas.microsoft.com/office/drawing/2014/main" id="{830C62C0-32E6-0E47-B218-A84CDBEA5EC3}"/>
-              </a:ext>
-            </a:extLst>
-          </p:cNvPr>
-          <p:cNvCxnSpPr>
-            <a:cxnSpLocks/>
-          </p:cNvCxnSpPr>
+          <p:cNvPr id="22" name="Connecteur droit avec flèche 21">
+            <a:extLst>
+              <a:ext uri="{FF2B5EF4-FFF2-40B4-BE49-F238E27FC236}">
+                <a16:creationId xmlns:a16="http://schemas.microsoft.com/office/drawing/2014/main" id="{78403133-1A13-E844-BFC1-09B39A07B567}"/>
+              </a:ext>
+            </a:extLst>
+          </p:cNvPr>
+          <p:cNvCxnSpPr/>
           <p:nvPr/>
         </p:nvCxnSpPr>
         <p:spPr>
-          <a:xfrm flipH="1" flipV="1">
-            <a:off x="3751446" y="1113096"/>
-            <a:ext cx="1594803" cy="1"/>
+          <a:xfrm>
+            <a:off x="1785938" y="1494506"/>
+            <a:ext cx="0" cy="1544047"/>
           </a:xfrm>
           <a:prstGeom prst="straightConnector1">
             <a:avLst/>
@@ -3484,10 +3487,10 @@
       </p:cxnSp>
       <p:cxnSp>
         <p:nvCxnSpPr>
-          <p:cNvPr id="23" name="Connecteur droit 22">
-            <a:extLst>
-              <a:ext uri="{FF2B5EF4-FFF2-40B4-BE49-F238E27FC236}">
-                <a16:creationId xmlns:a16="http://schemas.microsoft.com/office/drawing/2014/main" id="{EECFC145-3A80-A44E-9FE7-CC51372E23D1}"/>
+          <p:cNvPr id="26" name="Connecteur droit 25">
+            <a:extLst>
+              <a:ext uri="{FF2B5EF4-FFF2-40B4-BE49-F238E27FC236}">
+                <a16:creationId xmlns:a16="http://schemas.microsoft.com/office/drawing/2014/main" id="{2E7D89A1-C5A1-A646-9386-0F6787FE28BD}"/>
               </a:ext>
             </a:extLst>
           </p:cNvPr>
@@ -3497,9 +3500,9 @@
           <p:nvPr/>
         </p:nvCxnSpPr>
         <p:spPr>
-          <a:xfrm flipH="1">
-            <a:off x="3751446" y="3414712"/>
-            <a:ext cx="1594804" cy="0"/>
+          <a:xfrm flipV="1">
+            <a:off x="457200" y="5419902"/>
+            <a:ext cx="0" cy="701816"/>
           </a:xfrm>
           <a:prstGeom prst="line">
             <a:avLst/>
@@ -3523,10 +3526,10 @@
       </p:cxnSp>
       <p:cxnSp>
         <p:nvCxnSpPr>
-          <p:cNvPr id="24" name="Connecteur droit avec flèche 23">
-            <a:extLst>
-              <a:ext uri="{FF2B5EF4-FFF2-40B4-BE49-F238E27FC236}">
-                <a16:creationId xmlns:a16="http://schemas.microsoft.com/office/drawing/2014/main" id="{9AF5F572-653B-6446-90A0-E0960B5A303E}"/>
+          <p:cNvPr id="34" name="Connecteur droit 33">
+            <a:extLst>
+              <a:ext uri="{FF2B5EF4-FFF2-40B4-BE49-F238E27FC236}">
+                <a16:creationId xmlns:a16="http://schemas.microsoft.com/office/drawing/2014/main" id="{1B4E6FD9-86E3-1942-8BC5-8F9DF51395AB}"/>
               </a:ext>
             </a:extLst>
           </p:cNvPr>
@@ -3536,16 +3539,14 @@
           <p:nvPr/>
         </p:nvCxnSpPr>
         <p:spPr>
-          <a:xfrm flipH="1">
-            <a:off x="3751446" y="3414712"/>
-            <a:ext cx="1" cy="685801"/>
-          </a:xfrm>
-          <a:prstGeom prst="straightConnector1">
+          <a:xfrm flipV="1">
+            <a:off x="1209675" y="5414068"/>
+            <a:ext cx="0" cy="701816"/>
+          </a:xfrm>
+          <a:prstGeom prst="line">
             <a:avLst/>
           </a:prstGeom>
-          <a:ln w="28575">
-            <a:tailEnd type="triangle"/>
-          </a:ln>
+          <a:ln w="28575"/>
         </p:spPr>
         <p:style>
           <a:lnRef idx="1">
@@ -3564,10 +3565,10 @@
       </p:cxnSp>
       <p:cxnSp>
         <p:nvCxnSpPr>
-          <p:cNvPr id="36" name="Connecteur droit 35">
-            <a:extLst>
-              <a:ext uri="{FF2B5EF4-FFF2-40B4-BE49-F238E27FC236}">
-                <a16:creationId xmlns:a16="http://schemas.microsoft.com/office/drawing/2014/main" id="{2DAE882D-D500-6F43-83A8-18308C58D5E2}"/>
+          <p:cNvPr id="35" name="Connecteur droit 34">
+            <a:extLst>
+              <a:ext uri="{FF2B5EF4-FFF2-40B4-BE49-F238E27FC236}">
+                <a16:creationId xmlns:a16="http://schemas.microsoft.com/office/drawing/2014/main" id="{00AF8F00-F2D5-204A-8C3A-C6FF8564572B}"/>
               </a:ext>
             </a:extLst>
           </p:cNvPr>
@@ -3578,8 +3579,8 @@
         </p:nvCxnSpPr>
         <p:spPr>
           <a:xfrm flipV="1">
-            <a:off x="1785938" y="1500189"/>
-            <a:ext cx="0" cy="3243261"/>
+            <a:off x="2024063" y="5414068"/>
+            <a:ext cx="0" cy="701816"/>
           </a:xfrm>
           <a:prstGeom prst="line">
             <a:avLst/>
@@ -3603,10 +3604,10 @@
       </p:cxnSp>
       <p:cxnSp>
         <p:nvCxnSpPr>
-          <p:cNvPr id="40" name="Connecteur droit avec flèche 39">
-            <a:extLst>
-              <a:ext uri="{FF2B5EF4-FFF2-40B4-BE49-F238E27FC236}">
-                <a16:creationId xmlns:a16="http://schemas.microsoft.com/office/drawing/2014/main" id="{9FA77C21-D629-B54D-A281-8FC79131DDDC}"/>
+          <p:cNvPr id="37" name="Connecteur droit 36">
+            <a:extLst>
+              <a:ext uri="{FF2B5EF4-FFF2-40B4-BE49-F238E27FC236}">
+                <a16:creationId xmlns:a16="http://schemas.microsoft.com/office/drawing/2014/main" id="{B5A649E5-844E-7D40-9842-F702D329AC51}"/>
               </a:ext>
             </a:extLst>
           </p:cNvPr>
@@ -3616,16 +3617,14 @@
           <p:nvPr/>
         </p:nvCxnSpPr>
         <p:spPr>
-          <a:xfrm>
-            <a:off x="1785939" y="4720260"/>
-            <a:ext cx="1485899" cy="0"/>
-          </a:xfrm>
-          <a:prstGeom prst="straightConnector1">
+          <a:xfrm flipV="1">
+            <a:off x="2767013" y="5414068"/>
+            <a:ext cx="0" cy="701816"/>
+          </a:xfrm>
+          <a:prstGeom prst="line">
             <a:avLst/>
           </a:prstGeom>
-          <a:ln w="28575">
-            <a:tailEnd type="triangle"/>
-          </a:ln>
+          <a:ln w="28575"/>
         </p:spPr>
         <p:style>
           <a:lnRef idx="1">
@@ -3644,10 +3643,10 @@
       </p:cxnSp>
       <p:cxnSp>
         <p:nvCxnSpPr>
-          <p:cNvPr id="42" name="Connecteur droit avec flèche 41">
-            <a:extLst>
-              <a:ext uri="{FF2B5EF4-FFF2-40B4-BE49-F238E27FC236}">
-                <a16:creationId xmlns:a16="http://schemas.microsoft.com/office/drawing/2014/main" id="{87B0EB43-AB95-994C-BBB4-EEFFCB259B5C}"/>
+          <p:cNvPr id="38" name="Connecteur droit 37">
+            <a:extLst>
+              <a:ext uri="{FF2B5EF4-FFF2-40B4-BE49-F238E27FC236}">
+                <a16:creationId xmlns:a16="http://schemas.microsoft.com/office/drawing/2014/main" id="{4CC277DB-0102-6244-A7E8-FEFC65DBB376}"/>
               </a:ext>
             </a:extLst>
           </p:cNvPr>
@@ -3657,9 +3656,959 @@
           <p:nvPr/>
         </p:nvCxnSpPr>
         <p:spPr>
+          <a:xfrm flipV="1">
+            <a:off x="3509962" y="5414068"/>
+            <a:ext cx="0" cy="701816"/>
+          </a:xfrm>
+          <a:prstGeom prst="line">
+            <a:avLst/>
+          </a:prstGeom>
+          <a:ln w="28575"/>
+        </p:spPr>
+        <p:style>
+          <a:lnRef idx="1">
+            <a:schemeClr val="accent1"/>
+          </a:lnRef>
+          <a:fillRef idx="0">
+            <a:schemeClr val="accent1"/>
+          </a:fillRef>
+          <a:effectRef idx="0">
+            <a:schemeClr val="accent1"/>
+          </a:effectRef>
+          <a:fontRef idx="minor">
+            <a:schemeClr val="tx1"/>
+          </a:fontRef>
+        </p:style>
+      </p:cxnSp>
+      <p:cxnSp>
+        <p:nvCxnSpPr>
+          <p:cNvPr id="39" name="Connecteur droit 38">
+            <a:extLst>
+              <a:ext uri="{FF2B5EF4-FFF2-40B4-BE49-F238E27FC236}">
+                <a16:creationId xmlns:a16="http://schemas.microsoft.com/office/drawing/2014/main" id="{6D363C68-F361-2F42-9D3C-34BE13534616}"/>
+              </a:ext>
+            </a:extLst>
+          </p:cNvPr>
+          <p:cNvCxnSpPr>
+            <a:cxnSpLocks/>
+          </p:cNvCxnSpPr>
+          <p:nvPr/>
+        </p:nvCxnSpPr>
+        <p:spPr>
+          <a:xfrm flipV="1">
+            <a:off x="4267200" y="5420779"/>
+            <a:ext cx="0" cy="674715"/>
+          </a:xfrm>
+          <a:prstGeom prst="line">
+            <a:avLst/>
+          </a:prstGeom>
+          <a:ln w="28575"/>
+        </p:spPr>
+        <p:style>
+          <a:lnRef idx="1">
+            <a:schemeClr val="accent1"/>
+          </a:lnRef>
+          <a:fillRef idx="0">
+            <a:schemeClr val="accent1"/>
+          </a:fillRef>
+          <a:effectRef idx="0">
+            <a:schemeClr val="accent1"/>
+          </a:effectRef>
+          <a:fontRef idx="minor">
+            <a:schemeClr val="tx1"/>
+          </a:fontRef>
+        </p:style>
+      </p:cxnSp>
+      <p:cxnSp>
+        <p:nvCxnSpPr>
+          <p:cNvPr id="41" name="Connecteur droit 40">
+            <a:extLst>
+              <a:ext uri="{FF2B5EF4-FFF2-40B4-BE49-F238E27FC236}">
+                <a16:creationId xmlns:a16="http://schemas.microsoft.com/office/drawing/2014/main" id="{FFADCEB0-7D3F-FD4B-8D98-1BF518FAB7EB}"/>
+              </a:ext>
+            </a:extLst>
+          </p:cNvPr>
+          <p:cNvCxnSpPr>
+            <a:cxnSpLocks/>
+          </p:cNvCxnSpPr>
+          <p:nvPr/>
+        </p:nvCxnSpPr>
+        <p:spPr>
+          <a:xfrm flipV="1">
+            <a:off x="4995863" y="5420779"/>
+            <a:ext cx="0" cy="674715"/>
+          </a:xfrm>
+          <a:prstGeom prst="line">
+            <a:avLst/>
+          </a:prstGeom>
+          <a:ln w="28575"/>
+        </p:spPr>
+        <p:style>
+          <a:lnRef idx="1">
+            <a:schemeClr val="accent1"/>
+          </a:lnRef>
+          <a:fillRef idx="0">
+            <a:schemeClr val="accent1"/>
+          </a:fillRef>
+          <a:effectRef idx="0">
+            <a:schemeClr val="accent1"/>
+          </a:effectRef>
+          <a:fontRef idx="minor">
+            <a:schemeClr val="tx1"/>
+          </a:fontRef>
+        </p:style>
+      </p:cxnSp>
+      <p:cxnSp>
+        <p:nvCxnSpPr>
+          <p:cNvPr id="43" name="Connecteur droit 42">
+            <a:extLst>
+              <a:ext uri="{FF2B5EF4-FFF2-40B4-BE49-F238E27FC236}">
+                <a16:creationId xmlns:a16="http://schemas.microsoft.com/office/drawing/2014/main" id="{C7789AAC-1086-884F-A526-2D97E14BC0E4}"/>
+              </a:ext>
+            </a:extLst>
+          </p:cNvPr>
+          <p:cNvCxnSpPr>
+            <a:cxnSpLocks/>
+          </p:cNvCxnSpPr>
+          <p:nvPr/>
+        </p:nvCxnSpPr>
+        <p:spPr>
+          <a:xfrm flipV="1">
+            <a:off x="5710238" y="5414068"/>
+            <a:ext cx="0" cy="701816"/>
+          </a:xfrm>
+          <a:prstGeom prst="line">
+            <a:avLst/>
+          </a:prstGeom>
+          <a:ln w="28575"/>
+        </p:spPr>
+        <p:style>
+          <a:lnRef idx="1">
+            <a:schemeClr val="accent1"/>
+          </a:lnRef>
+          <a:fillRef idx="0">
+            <a:schemeClr val="accent1"/>
+          </a:fillRef>
+          <a:effectRef idx="0">
+            <a:schemeClr val="accent1"/>
+          </a:effectRef>
+          <a:fontRef idx="minor">
+            <a:schemeClr val="tx1"/>
+          </a:fontRef>
+        </p:style>
+      </p:cxnSp>
+      <p:cxnSp>
+        <p:nvCxnSpPr>
+          <p:cNvPr id="44" name="Connecteur droit 43">
+            <a:extLst>
+              <a:ext uri="{FF2B5EF4-FFF2-40B4-BE49-F238E27FC236}">
+                <a16:creationId xmlns:a16="http://schemas.microsoft.com/office/drawing/2014/main" id="{02C8B90E-4B1B-8449-A96B-2C21A098814B}"/>
+              </a:ext>
+            </a:extLst>
+          </p:cNvPr>
+          <p:cNvCxnSpPr>
+            <a:cxnSpLocks/>
+          </p:cNvCxnSpPr>
+          <p:nvPr/>
+        </p:nvCxnSpPr>
+        <p:spPr>
+          <a:xfrm flipV="1">
+            <a:off x="6338887" y="5414068"/>
+            <a:ext cx="0" cy="701816"/>
+          </a:xfrm>
+          <a:prstGeom prst="line">
+            <a:avLst/>
+          </a:prstGeom>
+          <a:ln w="28575"/>
+        </p:spPr>
+        <p:style>
+          <a:lnRef idx="1">
+            <a:schemeClr val="accent1"/>
+          </a:lnRef>
+          <a:fillRef idx="0">
+            <a:schemeClr val="accent1"/>
+          </a:fillRef>
+          <a:effectRef idx="0">
+            <a:schemeClr val="accent1"/>
+          </a:effectRef>
+          <a:fontRef idx="minor">
+            <a:schemeClr val="tx1"/>
+          </a:fontRef>
+        </p:style>
+      </p:cxnSp>
+      <p:cxnSp>
+        <p:nvCxnSpPr>
+          <p:cNvPr id="45" name="Connecteur droit 44">
+            <a:extLst>
+              <a:ext uri="{FF2B5EF4-FFF2-40B4-BE49-F238E27FC236}">
+                <a16:creationId xmlns:a16="http://schemas.microsoft.com/office/drawing/2014/main" id="{A39B0269-A1A6-6145-B06F-2F767A235AF0}"/>
+              </a:ext>
+            </a:extLst>
+          </p:cNvPr>
+          <p:cNvCxnSpPr>
+            <a:cxnSpLocks/>
+          </p:cNvCxnSpPr>
+          <p:nvPr/>
+        </p:nvCxnSpPr>
+        <p:spPr>
+          <a:xfrm flipH="1">
+            <a:off x="457200" y="5420779"/>
+            <a:ext cx="5881687" cy="0"/>
+          </a:xfrm>
+          <a:prstGeom prst="line">
+            <a:avLst/>
+          </a:prstGeom>
+          <a:ln w="28575"/>
+        </p:spPr>
+        <p:style>
+          <a:lnRef idx="1">
+            <a:schemeClr val="accent1"/>
+          </a:lnRef>
+          <a:fillRef idx="0">
+            <a:schemeClr val="accent1"/>
+          </a:fillRef>
+          <a:effectRef idx="0">
+            <a:schemeClr val="accent1"/>
+          </a:effectRef>
+          <a:fontRef idx="minor">
+            <a:schemeClr val="tx1"/>
+          </a:fontRef>
+        </p:style>
+      </p:cxnSp>
+      <p:cxnSp>
+        <p:nvCxnSpPr>
+          <p:cNvPr id="62" name="Connecteur droit 61">
+            <a:extLst>
+              <a:ext uri="{FF2B5EF4-FFF2-40B4-BE49-F238E27FC236}">
+                <a16:creationId xmlns:a16="http://schemas.microsoft.com/office/drawing/2014/main" id="{BEAEA93C-7E2C-5E4E-A897-538E05B0A597}"/>
+              </a:ext>
+            </a:extLst>
+          </p:cNvPr>
+          <p:cNvCxnSpPr>
+            <a:cxnSpLocks/>
+          </p:cNvCxnSpPr>
+          <p:nvPr/>
+        </p:nvCxnSpPr>
+        <p:spPr>
+          <a:xfrm flipH="1">
+            <a:off x="7691531" y="5628350"/>
+            <a:ext cx="2988276" cy="0"/>
+          </a:xfrm>
+          <a:prstGeom prst="line">
+            <a:avLst/>
+          </a:prstGeom>
+          <a:ln w="28575"/>
+        </p:spPr>
+        <p:style>
+          <a:lnRef idx="1">
+            <a:schemeClr val="accent1"/>
+          </a:lnRef>
+          <a:fillRef idx="0">
+            <a:schemeClr val="accent1"/>
+          </a:fillRef>
+          <a:effectRef idx="0">
+            <a:schemeClr val="accent1"/>
+          </a:effectRef>
+          <a:fontRef idx="minor">
+            <a:schemeClr val="tx1"/>
+          </a:fontRef>
+        </p:style>
+      </p:cxnSp>
+      <p:cxnSp>
+        <p:nvCxnSpPr>
+          <p:cNvPr id="72" name="Connecteur droit avec flèche 71">
+            <a:extLst>
+              <a:ext uri="{FF2B5EF4-FFF2-40B4-BE49-F238E27FC236}">
+                <a16:creationId xmlns:a16="http://schemas.microsoft.com/office/drawing/2014/main" id="{71AC446B-C91D-B644-AA48-86D307BD4CED}"/>
+              </a:ext>
+            </a:extLst>
+          </p:cNvPr>
+          <p:cNvCxnSpPr>
+            <a:cxnSpLocks/>
+          </p:cNvCxnSpPr>
+          <p:nvPr/>
+        </p:nvCxnSpPr>
+        <p:spPr>
           <a:xfrm>
-            <a:off x="4548847" y="5172697"/>
-            <a:ext cx="4609441" cy="0"/>
+            <a:off x="2486025" y="4486275"/>
+            <a:ext cx="5857875" cy="0"/>
+          </a:xfrm>
+          <a:prstGeom prst="straightConnector1">
+            <a:avLst/>
+          </a:prstGeom>
+          <a:ln w="28575">
+            <a:tailEnd type="triangle"/>
+          </a:ln>
+        </p:spPr>
+        <p:style>
+          <a:lnRef idx="1">
+            <a:schemeClr val="accent1"/>
+          </a:lnRef>
+          <a:fillRef idx="0">
+            <a:schemeClr val="accent1"/>
+          </a:fillRef>
+          <a:effectRef idx="0">
+            <a:schemeClr val="accent1"/>
+          </a:effectRef>
+          <a:fontRef idx="minor">
+            <a:schemeClr val="tx1"/>
+          </a:fontRef>
+        </p:style>
+      </p:cxnSp>
+      <p:sp>
+        <p:nvSpPr>
+          <p:cNvPr id="81" name="Triangle 80">
+            <a:extLst>
+              <a:ext uri="{FF2B5EF4-FFF2-40B4-BE49-F238E27FC236}">
+                <a16:creationId xmlns:a16="http://schemas.microsoft.com/office/drawing/2014/main" id="{CAC248D1-033E-0C48-A813-EFBE7F94E7DA}"/>
+              </a:ext>
+            </a:extLst>
+          </p:cNvPr>
+          <p:cNvSpPr/>
+          <p:nvPr/>
+        </p:nvSpPr>
+        <p:spPr>
+          <a:xfrm>
+            <a:off x="9051032" y="5242844"/>
+            <a:ext cx="123823" cy="185042"/>
+          </a:xfrm>
+          <a:prstGeom prst="triangle">
+            <a:avLst/>
+          </a:prstGeom>
+          <a:solidFill>
+            <a:schemeClr val="bg1"/>
+          </a:solidFill>
+          <a:ln w="28575">
+            <a:solidFill>
+              <a:schemeClr val="accent1"/>
+            </a:solidFill>
+          </a:ln>
+        </p:spPr>
+        <p:style>
+          <a:lnRef idx="2">
+            <a:schemeClr val="accent1">
+              <a:shade val="50000"/>
+            </a:schemeClr>
+          </a:lnRef>
+          <a:fillRef idx="1">
+            <a:schemeClr val="accent1"/>
+          </a:fillRef>
+          <a:effectRef idx="0">
+            <a:schemeClr val="accent1"/>
+          </a:effectRef>
+          <a:fontRef idx="minor">
+            <a:schemeClr val="lt1"/>
+          </a:fontRef>
+        </p:style>
+        <p:txBody>
+          <a:bodyPr rtlCol="0" anchor="ctr"/>
+          <a:lstStyle/>
+          <a:p>
+            <a:pPr algn="ctr"/>
+            <a:endParaRPr lang="fr-FR"/>
+          </a:p>
+        </p:txBody>
+      </p:sp>
+      <p:sp>
+        <p:nvSpPr>
+          <p:cNvPr id="83" name="Triangle 82">
+            <a:extLst>
+              <a:ext uri="{FF2B5EF4-FFF2-40B4-BE49-F238E27FC236}">
+                <a16:creationId xmlns:a16="http://schemas.microsoft.com/office/drawing/2014/main" id="{DBF91538-0DA6-2442-8663-35F1AE781E43}"/>
+              </a:ext>
+            </a:extLst>
+          </p:cNvPr>
+          <p:cNvSpPr/>
+          <p:nvPr/>
+        </p:nvSpPr>
+        <p:spPr>
+          <a:xfrm>
+            <a:off x="1962151" y="4768486"/>
+            <a:ext cx="123823" cy="185042"/>
+          </a:xfrm>
+          <a:prstGeom prst="triangle">
+            <a:avLst/>
+          </a:prstGeom>
+          <a:solidFill>
+            <a:schemeClr val="bg1"/>
+          </a:solidFill>
+          <a:ln w="28575">
+            <a:solidFill>
+              <a:schemeClr val="accent1"/>
+            </a:solidFill>
+          </a:ln>
+        </p:spPr>
+        <p:style>
+          <a:lnRef idx="2">
+            <a:schemeClr val="accent1">
+              <a:shade val="50000"/>
+            </a:schemeClr>
+          </a:lnRef>
+          <a:fillRef idx="1">
+            <a:schemeClr val="accent1"/>
+          </a:fillRef>
+          <a:effectRef idx="0">
+            <a:schemeClr val="accent1"/>
+          </a:effectRef>
+          <a:fontRef idx="minor">
+            <a:schemeClr val="lt1"/>
+          </a:fontRef>
+        </p:style>
+        <p:txBody>
+          <a:bodyPr rtlCol="0" anchor="ctr"/>
+          <a:lstStyle/>
+          <a:p>
+            <a:pPr algn="ctr"/>
+            <a:endParaRPr lang="fr-FR"/>
+          </a:p>
+        </p:txBody>
+      </p:sp>
+      <p:cxnSp>
+        <p:nvCxnSpPr>
+          <p:cNvPr id="85" name="Connecteur droit 84">
+            <a:extLst>
+              <a:ext uri="{FF2B5EF4-FFF2-40B4-BE49-F238E27FC236}">
+                <a16:creationId xmlns:a16="http://schemas.microsoft.com/office/drawing/2014/main" id="{5FEB89AC-8CCD-1145-B2E2-5A9564243F9C}"/>
+              </a:ext>
+            </a:extLst>
+          </p:cNvPr>
+          <p:cNvCxnSpPr>
+            <a:cxnSpLocks/>
+          </p:cNvCxnSpPr>
+          <p:nvPr/>
+        </p:nvCxnSpPr>
+        <p:spPr>
+          <a:xfrm>
+            <a:off x="2024062" y="4953528"/>
+            <a:ext cx="0" cy="467251"/>
+          </a:xfrm>
+          <a:prstGeom prst="line">
+            <a:avLst/>
+          </a:prstGeom>
+          <a:ln w="28575"/>
+        </p:spPr>
+        <p:style>
+          <a:lnRef idx="1">
+            <a:schemeClr val="accent1"/>
+          </a:lnRef>
+          <a:fillRef idx="0">
+            <a:schemeClr val="accent1"/>
+          </a:fillRef>
+          <a:effectRef idx="0">
+            <a:schemeClr val="accent1"/>
+          </a:effectRef>
+          <a:fontRef idx="minor">
+            <a:schemeClr val="tx1"/>
+          </a:fontRef>
+        </p:style>
+      </p:cxnSp>
+      <p:sp>
+        <p:nvSpPr>
+          <p:cNvPr id="90" name="ZoneTexte 89">
+            <a:extLst>
+              <a:ext uri="{FF2B5EF4-FFF2-40B4-BE49-F238E27FC236}">
+                <a16:creationId xmlns:a16="http://schemas.microsoft.com/office/drawing/2014/main" id="{9AAF7CBF-38D9-A846-97EB-7834E304E5F7}"/>
+              </a:ext>
+            </a:extLst>
+          </p:cNvPr>
+          <p:cNvSpPr txBox="1"/>
+          <p:nvPr/>
+        </p:nvSpPr>
+        <p:spPr>
+          <a:xfrm>
+            <a:off x="3743058" y="743765"/>
+            <a:ext cx="1252805" cy="369332"/>
+          </a:xfrm>
+          <a:prstGeom prst="rect">
+            <a:avLst/>
+          </a:prstGeom>
+          <a:noFill/>
+        </p:spPr>
+        <p:txBody>
+          <a:bodyPr wrap="square" rtlCol="0">
+            <a:spAutoFit/>
+          </a:bodyPr>
+          <a:lstStyle/>
+          <a:p>
+            <a:r>
+              <a:rPr lang="fr-FR" dirty="0">
+                <a:solidFill>
+                  <a:schemeClr val="accent1"/>
+                </a:solidFill>
+              </a:rPr>
+              <a:t>2..2 players</a:t>
+            </a:r>
+          </a:p>
+        </p:txBody>
+      </p:sp>
+      <p:sp>
+        <p:nvSpPr>
+          <p:cNvPr id="91" name="ZoneTexte 90">
+            <a:extLst>
+              <a:ext uri="{FF2B5EF4-FFF2-40B4-BE49-F238E27FC236}">
+                <a16:creationId xmlns:a16="http://schemas.microsoft.com/office/drawing/2014/main" id="{A4A10F23-7C73-A840-B9AA-30EE63D3D947}"/>
+              </a:ext>
+            </a:extLst>
+          </p:cNvPr>
+          <p:cNvSpPr txBox="1"/>
+          <p:nvPr/>
+        </p:nvSpPr>
+        <p:spPr>
+          <a:xfrm>
+            <a:off x="6914880" y="4095447"/>
+            <a:ext cx="1351280" cy="369332"/>
+          </a:xfrm>
+          <a:prstGeom prst="rect">
+            <a:avLst/>
+          </a:prstGeom>
+          <a:noFill/>
+        </p:spPr>
+        <p:txBody>
+          <a:bodyPr wrap="square" rtlCol="0">
+            <a:spAutoFit/>
+          </a:bodyPr>
+          <a:lstStyle/>
+          <a:p>
+            <a:r>
+              <a:rPr lang="fr-FR" dirty="0">
+                <a:solidFill>
+                  <a:schemeClr val="accent1"/>
+                </a:solidFill>
+              </a:rPr>
+              <a:t>1..1 weapon</a:t>
+            </a:r>
+          </a:p>
+        </p:txBody>
+      </p:sp>
+      <p:pic>
+        <p:nvPicPr>
+          <p:cNvPr id="104" name="Image 103" descr="Une image contenant table&#10;&#10;Description générée automatiquement">
+            <a:extLst>
+              <a:ext uri="{FF2B5EF4-FFF2-40B4-BE49-F238E27FC236}">
+                <a16:creationId xmlns:a16="http://schemas.microsoft.com/office/drawing/2014/main" id="{8F9AC1C3-01AD-8A41-B336-1570EE50EF8C}"/>
+              </a:ext>
+            </a:extLst>
+          </p:cNvPr>
+          <p:cNvPicPr>
+            <a:picLocks noChangeAspect="1"/>
+          </p:cNvPicPr>
+          <p:nvPr/>
+        </p:nvPicPr>
+        <p:blipFill>
+          <a:blip r:embed="rId6"/>
+          <a:stretch>
+            <a:fillRect/>
+          </a:stretch>
+        </p:blipFill>
+        <p:spPr>
+          <a:xfrm>
+            <a:off x="7380980" y="6273610"/>
+            <a:ext cx="3606800" cy="482600"/>
+          </a:xfrm>
+          <a:prstGeom prst="rect">
+            <a:avLst/>
+          </a:prstGeom>
+        </p:spPr>
+      </p:pic>
+      <p:cxnSp>
+        <p:nvCxnSpPr>
+          <p:cNvPr id="106" name="Connecteur droit 105">
+            <a:extLst>
+              <a:ext uri="{FF2B5EF4-FFF2-40B4-BE49-F238E27FC236}">
+                <a16:creationId xmlns:a16="http://schemas.microsoft.com/office/drawing/2014/main" id="{FAFC60F7-E9D1-D549-A923-02CB77B8D1E3}"/>
+              </a:ext>
+            </a:extLst>
+          </p:cNvPr>
+          <p:cNvCxnSpPr>
+            <a:cxnSpLocks/>
+          </p:cNvCxnSpPr>
+          <p:nvPr/>
+        </p:nvCxnSpPr>
+        <p:spPr>
+          <a:xfrm>
+            <a:off x="9112944" y="5628350"/>
+            <a:ext cx="0" cy="645260"/>
+          </a:xfrm>
+          <a:prstGeom prst="line">
+            <a:avLst/>
+          </a:prstGeom>
+          <a:ln w="28575"/>
+        </p:spPr>
+        <p:style>
+          <a:lnRef idx="1">
+            <a:schemeClr val="accent1"/>
+          </a:lnRef>
+          <a:fillRef idx="0">
+            <a:schemeClr val="accent1"/>
+          </a:fillRef>
+          <a:effectRef idx="0">
+            <a:schemeClr val="accent1"/>
+          </a:effectRef>
+          <a:fontRef idx="minor">
+            <a:schemeClr val="tx1"/>
+          </a:fontRef>
+        </p:style>
+      </p:cxnSp>
+      <p:cxnSp>
+        <p:nvCxnSpPr>
+          <p:cNvPr id="111" name="Connecteur droit 110">
+            <a:extLst>
+              <a:ext uri="{FF2B5EF4-FFF2-40B4-BE49-F238E27FC236}">
+                <a16:creationId xmlns:a16="http://schemas.microsoft.com/office/drawing/2014/main" id="{0F8D095C-0692-4A44-8E8D-DF285259BE58}"/>
+              </a:ext>
+            </a:extLst>
+          </p:cNvPr>
+          <p:cNvCxnSpPr>
+            <a:cxnSpLocks/>
+          </p:cNvCxnSpPr>
+          <p:nvPr/>
+        </p:nvCxnSpPr>
+        <p:spPr>
+          <a:xfrm>
+            <a:off x="8108056" y="5616680"/>
+            <a:ext cx="0" cy="690740"/>
+          </a:xfrm>
+          <a:prstGeom prst="line">
+            <a:avLst/>
+          </a:prstGeom>
+          <a:ln w="28575"/>
+        </p:spPr>
+        <p:style>
+          <a:lnRef idx="1">
+            <a:schemeClr val="accent1"/>
+          </a:lnRef>
+          <a:fillRef idx="0">
+            <a:schemeClr val="accent1"/>
+          </a:fillRef>
+          <a:effectRef idx="0">
+            <a:schemeClr val="accent1"/>
+          </a:effectRef>
+          <a:fontRef idx="minor">
+            <a:schemeClr val="tx1"/>
+          </a:fontRef>
+        </p:style>
+      </p:cxnSp>
+      <p:cxnSp>
+        <p:nvCxnSpPr>
+          <p:cNvPr id="112" name="Connecteur droit 111">
+            <a:extLst>
+              <a:ext uri="{FF2B5EF4-FFF2-40B4-BE49-F238E27FC236}">
+                <a16:creationId xmlns:a16="http://schemas.microsoft.com/office/drawing/2014/main" id="{28AFB840-C02D-504E-A296-E359FEBA12E9}"/>
+              </a:ext>
+            </a:extLst>
+          </p:cNvPr>
+          <p:cNvCxnSpPr>
+            <a:cxnSpLocks/>
+          </p:cNvCxnSpPr>
+          <p:nvPr/>
+        </p:nvCxnSpPr>
+        <p:spPr>
+          <a:xfrm>
+            <a:off x="7691531" y="5633585"/>
+            <a:ext cx="0" cy="673835"/>
+          </a:xfrm>
+          <a:prstGeom prst="line">
+            <a:avLst/>
+          </a:prstGeom>
+          <a:ln w="28575"/>
+        </p:spPr>
+        <p:style>
+          <a:lnRef idx="1">
+            <a:schemeClr val="accent1"/>
+          </a:lnRef>
+          <a:fillRef idx="0">
+            <a:schemeClr val="accent1"/>
+          </a:fillRef>
+          <a:effectRef idx="0">
+            <a:schemeClr val="accent1"/>
+          </a:effectRef>
+          <a:fontRef idx="minor">
+            <a:schemeClr val="tx1"/>
+          </a:fontRef>
+        </p:style>
+      </p:cxnSp>
+      <p:cxnSp>
+        <p:nvCxnSpPr>
+          <p:cNvPr id="113" name="Connecteur droit 112">
+            <a:extLst>
+              <a:ext uri="{FF2B5EF4-FFF2-40B4-BE49-F238E27FC236}">
+                <a16:creationId xmlns:a16="http://schemas.microsoft.com/office/drawing/2014/main" id="{A59D0EE7-FD77-C44B-9FF3-639371599FCE}"/>
+              </a:ext>
+            </a:extLst>
+          </p:cNvPr>
+          <p:cNvCxnSpPr>
+            <a:cxnSpLocks/>
+          </p:cNvCxnSpPr>
+          <p:nvPr/>
+        </p:nvCxnSpPr>
+        <p:spPr>
+          <a:xfrm>
+            <a:off x="10122594" y="5628350"/>
+            <a:ext cx="0" cy="679070"/>
+          </a:xfrm>
+          <a:prstGeom prst="line">
+            <a:avLst/>
+          </a:prstGeom>
+          <a:ln w="28575"/>
+        </p:spPr>
+        <p:style>
+          <a:lnRef idx="1">
+            <a:schemeClr val="accent1"/>
+          </a:lnRef>
+          <a:fillRef idx="0">
+            <a:schemeClr val="accent1"/>
+          </a:fillRef>
+          <a:effectRef idx="0">
+            <a:schemeClr val="accent1"/>
+          </a:effectRef>
+          <a:fontRef idx="minor">
+            <a:schemeClr val="tx1"/>
+          </a:fontRef>
+        </p:style>
+      </p:cxnSp>
+      <p:cxnSp>
+        <p:nvCxnSpPr>
+          <p:cNvPr id="114" name="Connecteur droit 113">
+            <a:extLst>
+              <a:ext uri="{FF2B5EF4-FFF2-40B4-BE49-F238E27FC236}">
+                <a16:creationId xmlns:a16="http://schemas.microsoft.com/office/drawing/2014/main" id="{861B99E5-9E06-854B-9339-0A718EFC8518}"/>
+              </a:ext>
+            </a:extLst>
+          </p:cNvPr>
+          <p:cNvCxnSpPr>
+            <a:cxnSpLocks/>
+          </p:cNvCxnSpPr>
+          <p:nvPr/>
+        </p:nvCxnSpPr>
+        <p:spPr>
+          <a:xfrm>
+            <a:off x="10679807" y="5628350"/>
+            <a:ext cx="0" cy="679070"/>
+          </a:xfrm>
+          <a:prstGeom prst="line">
+            <a:avLst/>
+          </a:prstGeom>
+          <a:ln w="28575"/>
+        </p:spPr>
+        <p:style>
+          <a:lnRef idx="1">
+            <a:schemeClr val="accent1"/>
+          </a:lnRef>
+          <a:fillRef idx="0">
+            <a:schemeClr val="accent1"/>
+          </a:fillRef>
+          <a:effectRef idx="0">
+            <a:schemeClr val="accent1"/>
+          </a:effectRef>
+          <a:fontRef idx="minor">
+            <a:schemeClr val="tx1"/>
+          </a:fontRef>
+        </p:style>
+      </p:cxnSp>
+      <p:cxnSp>
+        <p:nvCxnSpPr>
+          <p:cNvPr id="122" name="Connecteur droit 121">
+            <a:extLst>
+              <a:ext uri="{FF2B5EF4-FFF2-40B4-BE49-F238E27FC236}">
+                <a16:creationId xmlns:a16="http://schemas.microsoft.com/office/drawing/2014/main" id="{63E50A2B-51EB-4441-9199-9A0F771633F8}"/>
+              </a:ext>
+            </a:extLst>
+          </p:cNvPr>
+          <p:cNvCxnSpPr/>
+          <p:nvPr/>
+        </p:nvCxnSpPr>
+        <p:spPr>
+          <a:xfrm>
+            <a:off x="9112943" y="5431616"/>
+            <a:ext cx="0" cy="370127"/>
+          </a:xfrm>
+          <a:prstGeom prst="line">
+            <a:avLst/>
+          </a:prstGeom>
+          <a:ln w="28575"/>
+        </p:spPr>
+        <p:style>
+          <a:lnRef idx="1">
+            <a:schemeClr val="accent1"/>
+          </a:lnRef>
+          <a:fillRef idx="0">
+            <a:schemeClr val="accent1"/>
+          </a:fillRef>
+          <a:effectRef idx="0">
+            <a:schemeClr val="accent1"/>
+          </a:effectRef>
+          <a:fontRef idx="minor">
+            <a:schemeClr val="tx1"/>
+          </a:fontRef>
+        </p:style>
+      </p:cxnSp>
+      <p:sp>
+        <p:nvSpPr>
+          <p:cNvPr id="126" name="ZoneTexte 125">
+            <a:extLst>
+              <a:ext uri="{FF2B5EF4-FFF2-40B4-BE49-F238E27FC236}">
+                <a16:creationId xmlns:a16="http://schemas.microsoft.com/office/drawing/2014/main" id="{398EA1BE-5D44-C64E-BFFE-25BC71DF8DFB}"/>
+              </a:ext>
+            </a:extLst>
+          </p:cNvPr>
+          <p:cNvSpPr txBox="1"/>
+          <p:nvPr/>
+        </p:nvSpPr>
+        <p:spPr>
+          <a:xfrm>
+            <a:off x="2533836" y="3267970"/>
+            <a:ext cx="1957885" cy="369332"/>
+          </a:xfrm>
+          <a:prstGeom prst="rect">
+            <a:avLst/>
+          </a:prstGeom>
+          <a:noFill/>
+        </p:spPr>
+        <p:txBody>
+          <a:bodyPr wrap="square" rtlCol="0">
+            <a:spAutoFit/>
+          </a:bodyPr>
+          <a:lstStyle/>
+          <a:p>
+            <a:r>
+              <a:rPr lang="fr-FR" dirty="0">
+                <a:solidFill>
+                  <a:schemeClr val="accent1"/>
+                </a:solidFill>
+              </a:rPr>
+              <a:t>9..9 characters</a:t>
+            </a:r>
+          </a:p>
+        </p:txBody>
+      </p:sp>
+      <p:sp>
+        <p:nvSpPr>
+          <p:cNvPr id="127" name="ZoneTexte 126">
+            <a:extLst>
+              <a:ext uri="{FF2B5EF4-FFF2-40B4-BE49-F238E27FC236}">
+                <a16:creationId xmlns:a16="http://schemas.microsoft.com/office/drawing/2014/main" id="{195675B1-4BB3-4E4D-81C4-B97EEA275D0B}"/>
+              </a:ext>
+            </a:extLst>
+          </p:cNvPr>
+          <p:cNvSpPr txBox="1"/>
+          <p:nvPr/>
+        </p:nvSpPr>
+        <p:spPr>
+          <a:xfrm>
+            <a:off x="1785938" y="2616258"/>
+            <a:ext cx="1600198" cy="369332"/>
+          </a:xfrm>
+          <a:prstGeom prst="rect">
+            <a:avLst/>
+          </a:prstGeom>
+          <a:noFill/>
+        </p:spPr>
+        <p:txBody>
+          <a:bodyPr wrap="square" rtlCol="0">
+            <a:spAutoFit/>
+          </a:bodyPr>
+          <a:lstStyle/>
+          <a:p>
+            <a:r>
+              <a:rPr lang="fr-FR" dirty="0">
+                <a:solidFill>
+                  <a:schemeClr val="accent1"/>
+                </a:solidFill>
+              </a:rPr>
+              <a:t>3..3 characters</a:t>
+            </a:r>
+          </a:p>
+        </p:txBody>
+      </p:sp>
+      <p:pic>
+        <p:nvPicPr>
+          <p:cNvPr id="129" name="Image 128" descr="Une image contenant texte&#10;&#10;Description générée automatiquement">
+            <a:extLst>
+              <a:ext uri="{FF2B5EF4-FFF2-40B4-BE49-F238E27FC236}">
+                <a16:creationId xmlns:a16="http://schemas.microsoft.com/office/drawing/2014/main" id="{51E997C7-4628-A845-A698-8C0E1FFB4103}"/>
+              </a:ext>
+            </a:extLst>
+          </p:cNvPr>
+          <p:cNvPicPr>
+            <a:picLocks noChangeAspect="1"/>
+          </p:cNvPicPr>
+          <p:nvPr/>
+        </p:nvPicPr>
+        <p:blipFill>
+          <a:blip r:embed="rId7"/>
+          <a:stretch>
+            <a:fillRect/>
+          </a:stretch>
+        </p:blipFill>
+        <p:spPr>
+          <a:xfrm>
+            <a:off x="5440682" y="218682"/>
+            <a:ext cx="5994400" cy="3530600"/>
+          </a:xfrm>
+          <a:prstGeom prst="rect">
+            <a:avLst/>
+          </a:prstGeom>
+        </p:spPr>
+      </p:pic>
+      <p:cxnSp>
+        <p:nvCxnSpPr>
+          <p:cNvPr id="131" name="Connecteur droit avec flèche 130">
+            <a:extLst>
+              <a:ext uri="{FF2B5EF4-FFF2-40B4-BE49-F238E27FC236}">
+                <a16:creationId xmlns:a16="http://schemas.microsoft.com/office/drawing/2014/main" id="{D2F18FDC-BAD0-FC44-8822-69F325178E59}"/>
+              </a:ext>
+            </a:extLst>
+          </p:cNvPr>
+          <p:cNvCxnSpPr>
+            <a:cxnSpLocks/>
+          </p:cNvCxnSpPr>
+          <p:nvPr/>
+        </p:nvCxnSpPr>
+        <p:spPr>
+          <a:xfrm flipH="1">
+            <a:off x="3633154" y="1113097"/>
+            <a:ext cx="1861184" cy="0"/>
+          </a:xfrm>
+          <a:prstGeom prst="straightConnector1">
+            <a:avLst/>
+          </a:prstGeom>
+          <a:ln w="28575">
+            <a:tailEnd type="triangle"/>
+          </a:ln>
+        </p:spPr>
+        <p:style>
+          <a:lnRef idx="1">
+            <a:schemeClr val="accent1"/>
+          </a:lnRef>
+          <a:fillRef idx="0">
+            <a:schemeClr val="accent1"/>
+          </a:fillRef>
+          <a:effectRef idx="0">
+            <a:schemeClr val="accent1"/>
+          </a:effectRef>
+          <a:fontRef idx="minor">
+            <a:schemeClr val="tx1"/>
+          </a:fontRef>
+        </p:style>
+      </p:cxnSp>
+      <p:cxnSp>
+        <p:nvCxnSpPr>
+          <p:cNvPr id="136" name="Connecteur droit avec flèche 135">
+            <a:extLst>
+              <a:ext uri="{FF2B5EF4-FFF2-40B4-BE49-F238E27FC236}">
+                <a16:creationId xmlns:a16="http://schemas.microsoft.com/office/drawing/2014/main" id="{BDC40B0E-9510-514F-91B5-C758D2997F82}"/>
+              </a:ext>
+            </a:extLst>
+          </p:cNvPr>
+          <p:cNvCxnSpPr>
+            <a:cxnSpLocks/>
+          </p:cNvCxnSpPr>
+          <p:nvPr/>
+        </p:nvCxnSpPr>
+        <p:spPr>
+          <a:xfrm flipH="1">
+            <a:off x="2486025" y="3637302"/>
+            <a:ext cx="3023921" cy="0"/>
           </a:xfrm>
           <a:prstGeom prst="straightConnector1">
             <a:avLst/>
